--- a/result/Packing Detection.pptx
+++ b/result/Packing Detection.pptx
@@ -5,10 +5,10 @@
     <p:sldMasterId id="2147483648" r:id="rId4"/>
   </p:sldMasterIdLst>
   <p:notesMasterIdLst>
-    <p:notesMasterId r:id="rId15"/>
+    <p:notesMasterId r:id="rId16"/>
   </p:notesMasterIdLst>
   <p:handoutMasterIdLst>
-    <p:handoutMasterId r:id="rId16"/>
+    <p:handoutMasterId r:id="rId17"/>
   </p:handoutMasterIdLst>
   <p:sldIdLst>
     <p:sldId id="256" r:id="rId5"/>
@@ -20,13 +20,14 @@
     <p:sldId id="262" r:id="rId11"/>
     <p:sldId id="266" r:id="rId12"/>
     <p:sldId id="263" r:id="rId13"/>
-    <p:sldId id="264" r:id="rId14"/>
+    <p:sldId id="267" r:id="rId14"/>
+    <p:sldId id="264" r:id="rId15"/>
   </p:sldIdLst>
   <p:sldSz cx="12192000" cy="6858000"/>
   <p:notesSz cx="6858000" cy="9144000"/>
   <p:defaultTextStyle>
     <a:defPPr rtl="0">
-      <a:defRPr lang="ko-kr"/>
+      <a:defRPr lang="ko-KR"/>
     </a:defPPr>
     <a:lvl1pPr marL="0" algn="l" defTabSz="914400" rtl="0" eaLnBrk="1" latinLnBrk="0" hangingPunct="1">
       <a:defRPr sz="1800" kern="1200">
@@ -121,7 +122,7 @@
   </p:defaultTextStyle>
   <p:extLst>
     <p:ext uri="{EFAFB233-063F-42B5-8137-9DF3F51BA10A}">
-      <p15:sldGuideLst xmlns:p15="http://schemas.microsoft.com/office/powerpoint/2012/main">
+      <p15:sldGuideLst xmlns:p15="http://schemas.microsoft.com/office/powerpoint/2012/main" xmlns="">
         <p15:guide id="1" pos="3840" userDrawn="1">
           <p15:clr>
             <a:srgbClr val="A4A3A4"/>
@@ -135,7 +136,7 @@
       </p15:sldGuideLst>
     </p:ext>
     <p:ext uri="{2D200454-40CA-4A62-9FC3-DE9A4176ACB9}">
-      <p15:notesGuideLst xmlns:p15="http://schemas.microsoft.com/office/powerpoint/2012/main"/>
+      <p15:notesGuideLst xmlns:p15="http://schemas.microsoft.com/office/powerpoint/2012/main" xmlns=""/>
     </p:ext>
   </p:extLst>
 </p:presentation>
@@ -5020,7 +5021,7 @@
   </p:txStyles>
   <p:extLst mod="1">
     <p:ext uri="{27BBF7A9-308A-43DC-89C8-2F10F3537804}">
-      <p15:sldGuideLst xmlns:p15="http://schemas.microsoft.com/office/powerpoint/2012/main">
+      <p15:sldGuideLst xmlns:p15="http://schemas.microsoft.com/office/powerpoint/2012/main" xmlns="">
         <p15:guide id="1" orient="horz" pos="2160" userDrawn="1">
           <p15:clr>
             <a:srgbClr val="F26B43"/>
@@ -5124,6 +5125,13 @@
       </p:transition>
     </mc:Fallback>
   </mc:AlternateContent>
+  <p:timing>
+    <p:tnLst>
+      <p:par>
+        <p:cTn id="1" dur="indefinite" restart="never" nodeType="tmRoot"/>
+      </p:par>
+    </p:tnLst>
+  </p:timing>
 </p:sld>
 </file>
 
@@ -5154,6 +5162,133 @@
             <p:ph type="title"/>
           </p:nvPr>
         </p:nvSpPr>
+        <p:spPr>
+          <a:xfrm>
+            <a:off x="1341120" y="442646"/>
+            <a:ext cx="9509760" cy="1233424"/>
+          </a:xfrm>
+        </p:spPr>
+        <p:txBody>
+          <a:bodyPr/>
+          <a:lstStyle/>
+          <a:p>
+            <a:r>
+              <a:rPr lang="ko-KR" altLang="en-US" dirty="0" smtClean="0"/>
+              <a:t>결</a:t>
+            </a:r>
+            <a:r>
+              <a:rPr lang="ko-KR" altLang="en-US" dirty="0"/>
+              <a:t>과</a:t>
+            </a:r>
+          </a:p>
+        </p:txBody>
+      </p:sp>
+      <p:pic>
+        <p:nvPicPr>
+          <p:cNvPr id="1026" name="Picture 2"/>
+          <p:cNvPicPr>
+            <a:picLocks noChangeAspect="1" noChangeArrowheads="1"/>
+          </p:cNvPicPr>
+          <p:nvPr/>
+        </p:nvPicPr>
+        <p:blipFill>
+          <a:blip r:embed="rId2">
+            <a:extLst>
+              <a:ext uri="{28A0092B-C50C-407E-A947-70E740481C1C}">
+                <a14:useLocalDpi xmlns:a14="http://schemas.microsoft.com/office/drawing/2010/main" val="0"/>
+              </a:ext>
+            </a:extLst>
+          </a:blip>
+          <a:srcRect/>
+          <a:stretch>
+            <a:fillRect/>
+          </a:stretch>
+        </p:blipFill>
+        <p:spPr bwMode="auto">
+          <a:xfrm>
+            <a:off x="1413561" y="1991496"/>
+            <a:ext cx="9213249" cy="3675091"/>
+          </a:xfrm>
+          <a:prstGeom prst="rect">
+            <a:avLst/>
+          </a:prstGeom>
+          <a:noFill/>
+          <a:ln>
+            <a:noFill/>
+          </a:ln>
+          <a:extLst>
+            <a:ext uri="{909E8E84-426E-40DD-AFC4-6F175D3DCCD1}">
+              <a14:hiddenFill xmlns:a14="http://schemas.microsoft.com/office/drawing/2010/main">
+                <a:solidFill>
+                  <a:schemeClr val="accent1"/>
+                </a:solidFill>
+              </a14:hiddenFill>
+            </a:ext>
+            <a:ext uri="{91240B29-F687-4F45-9708-019B960494DF}">
+              <a14:hiddenLine xmlns:a14="http://schemas.microsoft.com/office/drawing/2010/main" w="9525">
+                <a:solidFill>
+                  <a:schemeClr val="tx1"/>
+                </a:solidFill>
+                <a:miter lim="800000"/>
+                <a:headEnd/>
+                <a:tailEnd/>
+              </a14:hiddenLine>
+            </a:ext>
+          </a:extLst>
+        </p:spPr>
+      </p:pic>
+    </p:spTree>
+    <p:extLst>
+      <p:ext uri="{BB962C8B-B14F-4D97-AF65-F5344CB8AC3E}">
+        <p14:creationId xmlns:p14="http://schemas.microsoft.com/office/powerpoint/2010/main" val="2391581475"/>
+      </p:ext>
+    </p:extLst>
+  </p:cSld>
+  <p:clrMapOvr>
+    <a:masterClrMapping/>
+  </p:clrMapOvr>
+  <mc:AlternateContent xmlns:mc="http://schemas.openxmlformats.org/markup-compatibility/2006" xmlns:p14="http://schemas.microsoft.com/office/powerpoint/2010/main">
+    <mc:Choice Requires="p14">
+      <p:transition spd="med" p14:dur="700">
+        <p:fade/>
+      </p:transition>
+    </mc:Choice>
+    <mc:Fallback xmlns="">
+      <p:transition spd="med">
+        <p:fade/>
+      </p:transition>
+    </mc:Fallback>
+  </mc:AlternateContent>
+</p:sld>
+</file>
+
+<file path=ppt/slides/slide11.xml><?xml version="1.0" encoding="utf-8"?>
+<p:sld xmlns:a="http://schemas.openxmlformats.org/drawingml/2006/main" xmlns:r="http://schemas.openxmlformats.org/officeDocument/2006/relationships" xmlns:p="http://schemas.openxmlformats.org/presentationml/2006/main">
+  <p:cSld>
+    <p:spTree>
+      <p:nvGrpSpPr>
+        <p:cNvPr id="1" name=""/>
+        <p:cNvGrpSpPr/>
+        <p:nvPr/>
+      </p:nvGrpSpPr>
+      <p:grpSpPr>
+        <a:xfrm>
+          <a:off x="0" y="0"/>
+          <a:ext cx="0" cy="0"/>
+          <a:chOff x="0" y="0"/>
+          <a:chExt cx="0" cy="0"/>
+        </a:xfrm>
+      </p:grpSpPr>
+      <p:sp>
+        <p:nvSpPr>
+          <p:cNvPr id="2" name="제목 1"/>
+          <p:cNvSpPr>
+            <a:spLocks noGrp="1"/>
+          </p:cNvSpPr>
+          <p:nvPr>
+            <p:ph type="title"/>
+          </p:nvPr>
+        </p:nvSpPr>
         <p:spPr/>
         <p:txBody>
           <a:bodyPr/>
@@ -5189,7 +5324,15 @@
           <a:p>
             <a:r>
               <a:rPr lang="en-US" altLang="ko-KR" dirty="0" smtClean="0"/>
-              <a:t>Accuracy 99.8%</a:t>
+              <a:t>Accuracy </a:t>
+            </a:r>
+            <a:r>
+              <a:rPr lang="en-US" altLang="ko-KR" dirty="0" smtClean="0"/>
+              <a:t>99.98</a:t>
+            </a:r>
+            <a:r>
+              <a:rPr lang="en-US" altLang="ko-KR" dirty="0" smtClean="0"/>
+              <a:t>%</a:t>
             </a:r>
             <a:endParaRPr lang="ko-KR" altLang="en-US" dirty="0"/>
           </a:p>
@@ -5375,6 +5518,13 @@
       </p:transition>
     </mc:Fallback>
   </mc:AlternateContent>
+  <p:timing>
+    <p:tnLst>
+      <p:par>
+        <p:cTn id="1" dur="indefinite" restart="never" nodeType="tmRoot"/>
+      </p:par>
+    </p:tnLst>
+  </p:timing>
 </p:sld>
 </file>
 
@@ -5477,6 +5627,13 @@
       </p:transition>
     </mc:Fallback>
   </mc:AlternateContent>
+  <p:timing>
+    <p:tnLst>
+      <p:par>
+        <p:cTn id="1" dur="indefinite" restart="never" nodeType="tmRoot"/>
+      </p:par>
+    </p:tnLst>
+  </p:timing>
 </p:sld>
 </file>
 
@@ -5586,6 +5743,13 @@
       </p:transition>
     </mc:Fallback>
   </mc:AlternateContent>
+  <p:timing>
+    <p:tnLst>
+      <p:par>
+        <p:cTn id="1" dur="indefinite" restart="never" nodeType="tmRoot"/>
+      </p:par>
+    </p:tnLst>
+  </p:timing>
 </p:sld>
 </file>
 
@@ -6003,6 +6167,126 @@
           </a:p>
         </p:txBody>
       </p:sp>
+      <p:sp>
+        <p:nvSpPr>
+          <p:cNvPr id="13" name="TextBox 12"/>
+          <p:cNvSpPr txBox="1"/>
+          <p:nvPr/>
+        </p:nvSpPr>
+        <p:spPr>
+          <a:xfrm>
+            <a:off x="2693267" y="4788276"/>
+            <a:ext cx="1901690" cy="369332"/>
+          </a:xfrm>
+          <a:prstGeom prst="rect">
+            <a:avLst/>
+          </a:prstGeom>
+          <a:noFill/>
+        </p:spPr>
+        <p:txBody>
+          <a:bodyPr wrap="square" rtlCol="0">
+            <a:spAutoFit/>
+          </a:bodyPr>
+          <a:lstStyle/>
+          <a:p>
+            <a:r>
+              <a:rPr lang="en-US" altLang="ko-KR" dirty="0" smtClean="0"/>
+              <a:t>UPX unpacking</a:t>
+            </a:r>
+            <a:endParaRPr lang="ko-KR" altLang="en-US" dirty="0"/>
+          </a:p>
+        </p:txBody>
+      </p:sp>
+      <p:sp>
+        <p:nvSpPr>
+          <p:cNvPr id="14" name="TextBox 13"/>
+          <p:cNvSpPr txBox="1"/>
+          <p:nvPr/>
+        </p:nvSpPr>
+        <p:spPr>
+          <a:xfrm>
+            <a:off x="7928661" y="3218291"/>
+            <a:ext cx="1105143" cy="369332"/>
+          </a:xfrm>
+          <a:prstGeom prst="rect">
+            <a:avLst/>
+          </a:prstGeom>
+          <a:noFill/>
+        </p:spPr>
+        <p:txBody>
+          <a:bodyPr wrap="square" rtlCol="0">
+            <a:spAutoFit/>
+          </a:bodyPr>
+          <a:lstStyle/>
+          <a:p>
+            <a:r>
+              <a:rPr lang="en-US" altLang="ko-KR" dirty="0" smtClean="0"/>
+              <a:t>petite</a:t>
+            </a:r>
+            <a:endParaRPr lang="ko-KR" altLang="en-US" dirty="0"/>
+          </a:p>
+        </p:txBody>
+      </p:sp>
+      <p:sp>
+        <p:nvSpPr>
+          <p:cNvPr id="15" name="TextBox 14"/>
+          <p:cNvSpPr txBox="1"/>
+          <p:nvPr/>
+        </p:nvSpPr>
+        <p:spPr>
+          <a:xfrm>
+            <a:off x="7928660" y="4381918"/>
+            <a:ext cx="1105143" cy="369332"/>
+          </a:xfrm>
+          <a:prstGeom prst="rect">
+            <a:avLst/>
+          </a:prstGeom>
+          <a:noFill/>
+        </p:spPr>
+        <p:txBody>
+          <a:bodyPr wrap="square" rtlCol="0">
+            <a:spAutoFit/>
+          </a:bodyPr>
+          <a:lstStyle/>
+          <a:p>
+            <a:r>
+              <a:rPr lang="en-US" altLang="ko-KR" dirty="0" err="1" smtClean="0"/>
+              <a:t>pelock</a:t>
+            </a:r>
+            <a:endParaRPr lang="ko-KR" altLang="en-US" dirty="0"/>
+          </a:p>
+        </p:txBody>
+      </p:sp>
+      <p:sp>
+        <p:nvSpPr>
+          <p:cNvPr id="16" name="TextBox 15"/>
+          <p:cNvSpPr txBox="1"/>
+          <p:nvPr/>
+        </p:nvSpPr>
+        <p:spPr>
+          <a:xfrm>
+            <a:off x="7928661" y="5401473"/>
+            <a:ext cx="1105143" cy="369332"/>
+          </a:xfrm>
+          <a:prstGeom prst="rect">
+            <a:avLst/>
+          </a:prstGeom>
+          <a:noFill/>
+        </p:spPr>
+        <p:txBody>
+          <a:bodyPr wrap="square" rtlCol="0">
+            <a:spAutoFit/>
+          </a:bodyPr>
+          <a:lstStyle/>
+          <a:p>
+            <a:r>
+              <a:rPr lang="en-US" altLang="ko-KR" dirty="0" err="1" smtClean="0"/>
+              <a:t>Sepack</a:t>
+            </a:r>
+            <a:endParaRPr lang="ko-KR" altLang="en-US" dirty="0"/>
+          </a:p>
+        </p:txBody>
+      </p:sp>
     </p:spTree>
     <p:extLst>
       <p:ext uri="{BB962C8B-B14F-4D97-AF65-F5344CB8AC3E}">
@@ -6025,6 +6309,13 @@
       </p:transition>
     </mc:Fallback>
   </mc:AlternateContent>
+  <p:timing>
+    <p:tnLst>
+      <p:par>
+        <p:cTn id="1" dur="indefinite" restart="never" nodeType="tmRoot"/>
+      </p:par>
+    </p:tnLst>
+  </p:timing>
 </p:sld>
 </file>
 
@@ -6556,7 +6847,7 @@
                 <a:gridCol w="572304">
                   <a:extLst>
                     <a:ext uri="{9D8B030D-6E8A-4147-A177-3AD203B41FA5}">
-                      <a16:colId xmlns:a16="http://schemas.microsoft.com/office/drawing/2014/main" val="3867785481"/>
+                      <a16:colId xmlns:a16="http://schemas.microsoft.com/office/drawing/2014/main" xmlns="" val="3867785481"/>
                     </a:ext>
                   </a:extLst>
                 </a:gridCol>
@@ -6579,7 +6870,7 @@
                 </a:tc>
                 <a:extLst>
                   <a:ext uri="{0D108BD9-81ED-4DB2-BD59-A6C34878D82A}">
-                    <a16:rowId xmlns:a16="http://schemas.microsoft.com/office/drawing/2014/main" val="3558443738"/>
+                    <a16:rowId xmlns:a16="http://schemas.microsoft.com/office/drawing/2014/main" xmlns="" val="3558443738"/>
                   </a:ext>
                 </a:extLst>
               </a:tr>
@@ -6601,7 +6892,7 @@
                 </a:tc>
                 <a:extLst>
                   <a:ext uri="{0D108BD9-81ED-4DB2-BD59-A6C34878D82A}">
-                    <a16:rowId xmlns:a16="http://schemas.microsoft.com/office/drawing/2014/main" val="1627362157"/>
+                    <a16:rowId xmlns:a16="http://schemas.microsoft.com/office/drawing/2014/main" xmlns="" val="1627362157"/>
                   </a:ext>
                 </a:extLst>
               </a:tr>
@@ -6623,7 +6914,7 @@
                 </a:tc>
                 <a:extLst>
                   <a:ext uri="{0D108BD9-81ED-4DB2-BD59-A6C34878D82A}">
-                    <a16:rowId xmlns:a16="http://schemas.microsoft.com/office/drawing/2014/main" val="404122692"/>
+                    <a16:rowId xmlns:a16="http://schemas.microsoft.com/office/drawing/2014/main" xmlns="" val="404122692"/>
                   </a:ext>
                 </a:extLst>
               </a:tr>
@@ -6645,7 +6936,7 @@
                 </a:tc>
                 <a:extLst>
                   <a:ext uri="{0D108BD9-81ED-4DB2-BD59-A6C34878D82A}">
-                    <a16:rowId xmlns:a16="http://schemas.microsoft.com/office/drawing/2014/main" val="81149242"/>
+                    <a16:rowId xmlns:a16="http://schemas.microsoft.com/office/drawing/2014/main" xmlns="" val="81149242"/>
                   </a:ext>
                 </a:extLst>
               </a:tr>
@@ -6667,7 +6958,7 @@
                 </a:tc>
                 <a:extLst>
                   <a:ext uri="{0D108BD9-81ED-4DB2-BD59-A6C34878D82A}">
-                    <a16:rowId xmlns:a16="http://schemas.microsoft.com/office/drawing/2014/main" val="2418993953"/>
+                    <a16:rowId xmlns:a16="http://schemas.microsoft.com/office/drawing/2014/main" xmlns="" val="2418993953"/>
                   </a:ext>
                 </a:extLst>
               </a:tr>
@@ -6689,7 +6980,7 @@
                 </a:tc>
                 <a:extLst>
                   <a:ext uri="{0D108BD9-81ED-4DB2-BD59-A6C34878D82A}">
-                    <a16:rowId xmlns:a16="http://schemas.microsoft.com/office/drawing/2014/main" val="2081725424"/>
+                    <a16:rowId xmlns:a16="http://schemas.microsoft.com/office/drawing/2014/main" xmlns="" val="2081725424"/>
                   </a:ext>
                 </a:extLst>
               </a:tr>
@@ -6711,7 +7002,7 @@
                 </a:tc>
                 <a:extLst>
                   <a:ext uri="{0D108BD9-81ED-4DB2-BD59-A6C34878D82A}">
-                    <a16:rowId xmlns:a16="http://schemas.microsoft.com/office/drawing/2014/main" val="1473410515"/>
+                    <a16:rowId xmlns:a16="http://schemas.microsoft.com/office/drawing/2014/main" xmlns="" val="1473410515"/>
                   </a:ext>
                 </a:extLst>
               </a:tr>
@@ -6728,7 +7019,7 @@
           <p:nvPr>
             <p:extLst>
               <p:ext uri="{D42A27DB-BD31-4B8C-83A1-F6EECF244321}">
-                <p14:modId xmlns:p14="http://schemas.microsoft.com/office/powerpoint/2010/main" val="351826543"/>
+                <p14:modId xmlns:p14="http://schemas.microsoft.com/office/powerpoint/2010/main" val="1387600521"/>
               </p:ext>
             </p:extLst>
           </p:nvPr>
@@ -6747,7 +7038,7 @@
                 <a:gridCol w="663833">
                   <a:extLst>
                     <a:ext uri="{9D8B030D-6E8A-4147-A177-3AD203B41FA5}">
-                      <a16:colId xmlns:a16="http://schemas.microsoft.com/office/drawing/2014/main" val="3867785481"/>
+                      <a16:colId xmlns:a16="http://schemas.microsoft.com/office/drawing/2014/main" xmlns="" val="3867785481"/>
                     </a:ext>
                   </a:extLst>
                 </a:gridCol>
@@ -6761,7 +7052,7 @@
                       <a:pPr latinLnBrk="1"/>
                       <a:r>
                         <a:rPr lang="en-US" altLang="ko-KR" dirty="0" smtClean="0"/>
-                        <a:t>0.1</a:t>
+                        <a:t>0</a:t>
                       </a:r>
                       <a:endParaRPr lang="ko-KR" altLang="en-US" dirty="0"/>
                     </a:p>
@@ -6770,29 +7061,7 @@
                 </a:tc>
                 <a:extLst>
                   <a:ext uri="{0D108BD9-81ED-4DB2-BD59-A6C34878D82A}">
-                    <a16:rowId xmlns:a16="http://schemas.microsoft.com/office/drawing/2014/main" val="3558443738"/>
-                  </a:ext>
-                </a:extLst>
-              </a:tr>
-              <a:tr h="370840">
-                <a:tc>
-                  <a:txBody>
-                    <a:bodyPr/>
-                    <a:lstStyle/>
-                    <a:p>
-                      <a:pPr latinLnBrk="1"/>
-                      <a:r>
-                        <a:rPr lang="en-US" altLang="ko-KR" dirty="0" smtClean="0"/>
-                        <a:t>0.01</a:t>
-                      </a:r>
-                      <a:endParaRPr lang="ko-KR" altLang="en-US" dirty="0"/>
-                    </a:p>
-                  </a:txBody>
-                  <a:tcPr/>
-                </a:tc>
-                <a:extLst>
-                  <a:ext uri="{0D108BD9-81ED-4DB2-BD59-A6C34878D82A}">
-                    <a16:rowId xmlns:a16="http://schemas.microsoft.com/office/drawing/2014/main" val="1627362157"/>
+                    <a16:rowId xmlns:a16="http://schemas.microsoft.com/office/drawing/2014/main" xmlns="" val="3558443738"/>
                   </a:ext>
                 </a:extLst>
               </a:tr>
@@ -6814,7 +7083,7 @@
                 </a:tc>
                 <a:extLst>
                   <a:ext uri="{0D108BD9-81ED-4DB2-BD59-A6C34878D82A}">
-                    <a16:rowId xmlns:a16="http://schemas.microsoft.com/office/drawing/2014/main" val="404122692"/>
+                    <a16:rowId xmlns:a16="http://schemas.microsoft.com/office/drawing/2014/main" xmlns="" val="1627362157"/>
                   </a:ext>
                 </a:extLst>
               </a:tr>
@@ -6827,7 +7096,7 @@
                       <a:pPr latinLnBrk="1"/>
                       <a:r>
                         <a:rPr lang="en-US" altLang="ko-KR" dirty="0" smtClean="0"/>
-                        <a:t>0</a:t>
+                        <a:t>0.4</a:t>
                       </a:r>
                       <a:endParaRPr lang="ko-KR" altLang="en-US" dirty="0"/>
                     </a:p>
@@ -6836,7 +7105,7 @@
                 </a:tc>
                 <a:extLst>
                   <a:ext uri="{0D108BD9-81ED-4DB2-BD59-A6C34878D82A}">
-                    <a16:rowId xmlns:a16="http://schemas.microsoft.com/office/drawing/2014/main" val="81149242"/>
+                    <a16:rowId xmlns:a16="http://schemas.microsoft.com/office/drawing/2014/main" xmlns="" val="404122692"/>
                   </a:ext>
                 </a:extLst>
               </a:tr>
@@ -6849,7 +7118,7 @@
                       <a:pPr latinLnBrk="1"/>
                       <a:r>
                         <a:rPr lang="en-US" altLang="ko-KR" dirty="0" smtClean="0"/>
-                        <a:t>0.3</a:t>
+                        <a:t>0.1</a:t>
                       </a:r>
                       <a:endParaRPr lang="ko-KR" altLang="en-US" dirty="0"/>
                     </a:p>
@@ -6858,7 +7127,7 @@
                 </a:tc>
                 <a:extLst>
                   <a:ext uri="{0D108BD9-81ED-4DB2-BD59-A6C34878D82A}">
-                    <a16:rowId xmlns:a16="http://schemas.microsoft.com/office/drawing/2014/main" val="2418993953"/>
+                    <a16:rowId xmlns:a16="http://schemas.microsoft.com/office/drawing/2014/main" xmlns="" val="81149242"/>
                   </a:ext>
                 </a:extLst>
               </a:tr>
@@ -6871,7 +7140,7 @@
                       <a:pPr latinLnBrk="1"/>
                       <a:r>
                         <a:rPr lang="en-US" altLang="ko-KR" dirty="0" smtClean="0"/>
-                        <a:t>0.2</a:t>
+                        <a:t>0.35</a:t>
                       </a:r>
                       <a:endParaRPr lang="ko-KR" altLang="en-US" dirty="0"/>
                     </a:p>
@@ -6880,7 +7149,7 @@
                 </a:tc>
                 <a:extLst>
                   <a:ext uri="{0D108BD9-81ED-4DB2-BD59-A6C34878D82A}">
-                    <a16:rowId xmlns:a16="http://schemas.microsoft.com/office/drawing/2014/main" val="2081725424"/>
+                    <a16:rowId xmlns:a16="http://schemas.microsoft.com/office/drawing/2014/main" xmlns="" val="2418993953"/>
                   </a:ext>
                 </a:extLst>
               </a:tr>
@@ -6893,7 +7162,7 @@
                       <a:pPr latinLnBrk="1"/>
                       <a:r>
                         <a:rPr lang="en-US" altLang="ko-KR" dirty="0" smtClean="0"/>
-                        <a:t>0.15</a:t>
+                        <a:t>0.5</a:t>
                       </a:r>
                       <a:endParaRPr lang="ko-KR" altLang="en-US" dirty="0"/>
                     </a:p>
@@ -6902,7 +7171,29 @@
                 </a:tc>
                 <a:extLst>
                   <a:ext uri="{0D108BD9-81ED-4DB2-BD59-A6C34878D82A}">
-                    <a16:rowId xmlns:a16="http://schemas.microsoft.com/office/drawing/2014/main" val="1473410515"/>
+                    <a16:rowId xmlns:a16="http://schemas.microsoft.com/office/drawing/2014/main" xmlns="" val="2081725424"/>
+                  </a:ext>
+                </a:extLst>
+              </a:tr>
+              <a:tr h="370840">
+                <a:tc>
+                  <a:txBody>
+                    <a:bodyPr/>
+                    <a:lstStyle/>
+                    <a:p>
+                      <a:pPr latinLnBrk="1"/>
+                      <a:r>
+                        <a:rPr lang="en-US" altLang="ko-KR" dirty="0" smtClean="0"/>
+                        <a:t>0.05</a:t>
+                      </a:r>
+                      <a:endParaRPr lang="ko-KR" altLang="en-US" dirty="0"/>
+                    </a:p>
+                  </a:txBody>
+                  <a:tcPr/>
+                </a:tc>
+                <a:extLst>
+                  <a:ext uri="{0D108BD9-81ED-4DB2-BD59-A6C34878D82A}">
+                    <a16:rowId xmlns:a16="http://schemas.microsoft.com/office/drawing/2014/main" xmlns="" val="1473410515"/>
                   </a:ext>
                 </a:extLst>
               </a:tr>
@@ -7012,6 +7303,13 @@
       </p:transition>
     </mc:Fallback>
   </mc:AlternateContent>
+  <p:timing>
+    <p:tnLst>
+      <p:par>
+        <p:cTn id="1" dur="indefinite" restart="never" nodeType="tmRoot"/>
+      </p:par>
+    </p:tnLst>
+  </p:timing>
 </p:sld>
 </file>
 
@@ -7441,8 +7739,13 @@
           <a:p>
             <a:r>
               <a:rPr lang="en-US" altLang="ko-KR" sz="2000" dirty="0" smtClean="0"/>
-              <a:t>Optimizer :Adam </a:t>
-            </a:r>
+              <a:t>Optimizer </a:t>
+            </a:r>
+            <a:r>
+              <a:rPr lang="en-US" altLang="ko-KR" sz="2000" dirty="0" smtClean="0"/>
+              <a:t>: Adam </a:t>
+            </a:r>
+            <a:endParaRPr lang="en-US" altLang="ko-KR" sz="2000" dirty="0" smtClean="0"/>
           </a:p>
           <a:p>
             <a:r>
@@ -7475,6 +7778,13 @@
       </p:transition>
     </mc:Fallback>
   </mc:AlternateContent>
+  <p:timing>
+    <p:tnLst>
+      <p:par>
+        <p:cTn id="1" dur="indefinite" restart="never" nodeType="tmRoot"/>
+      </p:par>
+    </p:tnLst>
+  </p:timing>
 </p:sld>
 </file>
 
@@ -7547,6 +7857,13 @@
       </p:transition>
     </mc:Fallback>
   </mc:AlternateContent>
+  <p:timing>
+    <p:tnLst>
+      <p:par>
+        <p:cTn id="1" dur="indefinite" restart="never" nodeType="tmRoot"/>
+      </p:par>
+    </p:tnLst>
+  </p:timing>
 </p:sld>
 </file>
 
@@ -7952,7 +8269,7 @@
   <a:extraClrSchemeLst/>
   <a:extLst>
     <a:ext uri="{05A4C25C-085E-4340-85A3-A5531E510DB2}">
-      <thm15:themeFamily xmlns:thm15="http://schemas.microsoft.com/office/thememl/2012/main" name="Office_13246543_TF02895254.potx" id="{4902C67F-FE4C-447A-8664-3151B45BB710}" vid="{5186D8DB-AF25-4F95-9054-B1B0AFEE48DA}"/>
+      <thm15:themeFamily xmlns:thm15="http://schemas.microsoft.com/office/thememl/2012/main" xmlns="" name="Office_13246543_TF02895254.potx" id="{4902C67F-FE4C-447A-8664-3151B45BB710}" vid="{5186D8DB-AF25-4F95-9054-B1B0AFEE48DA}"/>
     </a:ext>
   </a:extLst>
 </a:theme>
@@ -8471,14 +8788,12 @@
 </file>
 
 <file path=customXml/item1.xml><?xml version="1.0" encoding="utf-8"?>
-<p:properties xmlns:p="http://schemas.microsoft.com/office/2006/metadata/properties" xmlns:xsi="http://www.w3.org/2001/XMLSchema-instance" xmlns:pc="http://schemas.microsoft.com/office/infopath/2007/PartnerControls">
-  <documentManagement>
-    <VSO_x0020_item_x0020_id xmlns="40262f94-9f35-4ac3-9a90-690165a166b7" xsi:nil="true"/>
-    <Assetid_x0020_ xmlns="40262f94-9f35-4ac3-9a90-690165a166b7" xsi:nil="true"/>
-    <Item_x0020_Details xmlns="40262f94-9f35-4ac3-9a90-690165a166b7" xsi:nil="true"/>
-    <Template_x0020_details xmlns="40262f94-9f35-4ac3-9a90-690165a166b7" xsi:nil="true"/>
-  </documentManagement>
-</p:properties>
+<?mso-contentType ?>
+<FormTemplates xmlns="http://schemas.microsoft.com/sharepoint/v3/contenttype/forms">
+  <Display>DocumentLibraryForm</Display>
+  <Edit>DocumentLibraryForm</Edit>
+  <New>DocumentLibraryForm</New>
+</FormTemplates>
 </file>
 
 <file path=customXml/item2.xml><?xml version="1.0" encoding="utf-8"?>
@@ -8663,27 +8978,20 @@
 </file>
 
 <file path=customXml/item3.xml><?xml version="1.0" encoding="utf-8"?>
-<?mso-contentType ?>
-<FormTemplates xmlns="http://schemas.microsoft.com/sharepoint/v3/contenttype/forms">
-  <Display>DocumentLibraryForm</Display>
-  <Edit>DocumentLibraryForm</Edit>
-  <New>DocumentLibraryForm</New>
-</FormTemplates>
+<p:properties xmlns:p="http://schemas.microsoft.com/office/2006/metadata/properties" xmlns:xsi="http://www.w3.org/2001/XMLSchema-instance" xmlns:pc="http://schemas.microsoft.com/office/infopath/2007/PartnerControls">
+  <documentManagement>
+    <VSO_x0020_item_x0020_id xmlns="40262f94-9f35-4ac3-9a90-690165a166b7" xsi:nil="true"/>
+    <Assetid_x0020_ xmlns="40262f94-9f35-4ac3-9a90-690165a166b7" xsi:nil="true"/>
+    <Item_x0020_Details xmlns="40262f94-9f35-4ac3-9a90-690165a166b7" xsi:nil="true"/>
+    <Template_x0020_details xmlns="40262f94-9f35-4ac3-9a90-690165a166b7" xsi:nil="true"/>
+  </documentManagement>
+</p:properties>
 </file>
 
 <file path=customXml/itemProps1.xml><?xml version="1.0" encoding="utf-8"?>
-<ds:datastoreItem xmlns:ds="http://schemas.openxmlformats.org/officeDocument/2006/customXml" ds:itemID="{40B0D886-CB8D-4564-A797-C05BC7D513A8}">
+<ds:datastoreItem xmlns:ds="http://schemas.openxmlformats.org/officeDocument/2006/customXml" ds:itemID="{FAC2023F-644C-4F7E-8E8C-CDBE4A63C7D1}">
   <ds:schemaRefs>
-    <ds:schemaRef ds:uri="http://purl.org/dc/elements/1.1/"/>
-    <ds:schemaRef ds:uri="http://schemas.microsoft.com/office/2006/metadata/properties"/>
-    <ds:schemaRef ds:uri="http://purl.org/dc/terms/"/>
-    <ds:schemaRef ds:uri="http://schemas.openxmlformats.org/package/2006/metadata/core-properties"/>
-    <ds:schemaRef ds:uri="http://schemas.microsoft.com/office/2006/documentManagement/types"/>
-    <ds:schemaRef ds:uri="http://schemas.microsoft.com/office/infopath/2007/PartnerControls"/>
-    <ds:schemaRef ds:uri="40262f94-9f35-4ac3-9a90-690165a166b7"/>
-    <ds:schemaRef ds:uri="a4f35948-e619-41b3-aa29-22878b09cfd2"/>
-    <ds:schemaRef ds:uri="http://www.w3.org/XML/1998/namespace"/>
-    <ds:schemaRef ds:uri="http://purl.org/dc/dcmitype/"/>
+    <ds:schemaRef ds:uri="http://schemas.microsoft.com/sharepoint/v3/contenttype/forms"/>
   </ds:schemaRefs>
 </ds:datastoreItem>
 </file>
@@ -8708,9 +9016,18 @@
 </file>
 
 <file path=customXml/itemProps3.xml><?xml version="1.0" encoding="utf-8"?>
-<ds:datastoreItem xmlns:ds="http://schemas.openxmlformats.org/officeDocument/2006/customXml" ds:itemID="{FAC2023F-644C-4F7E-8E8C-CDBE4A63C7D1}">
+<ds:datastoreItem xmlns:ds="http://schemas.openxmlformats.org/officeDocument/2006/customXml" ds:itemID="{40B0D886-CB8D-4564-A797-C05BC7D513A8}">
   <ds:schemaRefs>
-    <ds:schemaRef ds:uri="http://schemas.microsoft.com/sharepoint/v3/contenttype/forms"/>
+    <ds:schemaRef ds:uri="http://purl.org/dc/elements/1.1/"/>
+    <ds:schemaRef ds:uri="http://schemas.microsoft.com/office/2006/metadata/properties"/>
+    <ds:schemaRef ds:uri="http://purl.org/dc/terms/"/>
+    <ds:schemaRef ds:uri="http://schemas.openxmlformats.org/package/2006/metadata/core-properties"/>
+    <ds:schemaRef ds:uri="http://schemas.microsoft.com/office/2006/documentManagement/types"/>
+    <ds:schemaRef ds:uri="http://schemas.microsoft.com/office/infopath/2007/PartnerControls"/>
+    <ds:schemaRef ds:uri="40262f94-9f35-4ac3-9a90-690165a166b7"/>
+    <ds:schemaRef ds:uri="a4f35948-e619-41b3-aa29-22878b09cfd2"/>
+    <ds:schemaRef ds:uri="http://www.w3.org/XML/1998/namespace"/>
+    <ds:schemaRef ds:uri="http://purl.org/dc/dcmitype/"/>
   </ds:schemaRefs>
 </ds:datastoreItem>
 </file>